--- a/Clase 2 - 5 Jul 2023/Git y Github.pptx
+++ b/Clase 2 - 5 Jul 2023/Git y Github.pptx
@@ -80,15 +80,15 @@
       <p:boldItalic r:id="rId66"/>
     </p:embeddedFont>
     <p:embeddedFont>
-      <p:font typeface="Didact Gothic" panose="020B0604020202020204" charset="0"/>
+      <p:font typeface="Helvetica Neue Light" panose="020B0604020202020204" charset="0"/>
       <p:regular r:id="rId67"/>
+      <p:bold r:id="rId68"/>
+      <p:italic r:id="rId69"/>
+      <p:boldItalic r:id="rId70"/>
     </p:embeddedFont>
     <p:embeddedFont>
-      <p:font typeface="Helvetica Neue Light" panose="020B0604020202020204" charset="0"/>
-      <p:regular r:id="rId68"/>
-      <p:bold r:id="rId69"/>
-      <p:italic r:id="rId70"/>
-      <p:boldItalic r:id="rId71"/>
+      <p:font typeface="Didact Gothic" panose="020B0604020202020204" charset="0"/>
+      <p:regular r:id="rId71"/>
     </p:embeddedFont>
   </p:embeddedFontLst>
   <p:defaultTextStyle>
@@ -11852,6 +11852,13 @@
   <p:clrMapOvr>
     <a:masterClrMapping/>
   </p:clrMapOvr>
+  <p:timing>
+    <p:tnLst>
+      <p:par>
+        <p:cTn id="1" dur="indefinite" restart="never" nodeType="tmRoot"/>
+      </p:par>
+    </p:tnLst>
+  </p:timing>
 </p:sld>
 </file>
 
@@ -12071,6 +12078,13 @@
   <p:clrMapOvr>
     <a:masterClrMapping/>
   </p:clrMapOvr>
+  <p:timing>
+    <p:tnLst>
+      <p:par>
+        <p:cTn id="1" dur="indefinite" restart="never" nodeType="tmRoot"/>
+      </p:par>
+    </p:tnLst>
+  </p:timing>
 </p:sld>
 </file>
 
@@ -12157,6 +12171,13 @@
   <p:clrMapOvr>
     <a:masterClrMapping/>
   </p:clrMapOvr>
+  <p:timing>
+    <p:tnLst>
+      <p:par>
+        <p:cTn id="1" dur="indefinite" restart="never" nodeType="tmRoot"/>
+      </p:par>
+    </p:tnLst>
+  </p:timing>
 </p:sld>
 </file>
 
@@ -12577,7 +12598,7 @@
                         <a:buNone/>
                       </a:pPr>
                       <a:r>
-                        <a:rPr lang="es" sz="1800">
+                        <a:rPr lang="es" sz="1800" dirty="0">
                           <a:solidFill>
                             <a:srgbClr val="00FF00"/>
                           </a:solidFill>
@@ -12592,7 +12613,7 @@
                         <a:t>john@MyShopSolutions</a:t>
                       </a:r>
                       <a:r>
-                        <a:rPr lang="es" sz="1800">
+                        <a:rPr lang="es" sz="1800" dirty="0">
                           <a:solidFill>
                             <a:srgbClr val="FF00FF"/>
                           </a:solidFill>
@@ -12607,7 +12628,7 @@
                         <a:t>: ~$</a:t>
                       </a:r>
                       <a:r>
-                        <a:rPr lang="es" sz="1800">
+                        <a:rPr lang="es" sz="1800" dirty="0">
                           <a:solidFill>
                             <a:srgbClr val="F3F3F3"/>
                           </a:solidFill>
@@ -12621,7 +12642,7 @@
                         </a:rPr>
                         <a:t> git --version</a:t>
                       </a:r>
-                      <a:endParaRPr sz="1800">
+                      <a:endParaRPr sz="1800" dirty="0">
                         <a:solidFill>
                           <a:srgbClr val="F3F3F3"/>
                         </a:solidFill>
@@ -12650,7 +12671,7 @@
                         <a:buNone/>
                       </a:pPr>
                       <a:r>
-                        <a:rPr lang="es" sz="1800">
+                        <a:rPr lang="es" sz="1800" dirty="0">
                           <a:solidFill>
                             <a:srgbClr val="FFFFFF"/>
                           </a:solidFill>
@@ -12664,7 +12685,7 @@
                         </a:rPr>
                         <a:t>git version 2.17.1</a:t>
                       </a:r>
-                      <a:endParaRPr sz="1800">
+                      <a:endParaRPr sz="1800" dirty="0">
                         <a:solidFill>
                           <a:srgbClr val="FFFFFF"/>
                         </a:solidFill>
@@ -12693,7 +12714,7 @@
                         <a:buNone/>
                       </a:pPr>
                       <a:r>
-                        <a:rPr lang="es" sz="1800">
+                        <a:rPr lang="es" sz="1800" dirty="0">
                           <a:solidFill>
                             <a:srgbClr val="00FF00"/>
                           </a:solidFill>
@@ -12708,7 +12729,7 @@
                         <a:t>john@MyShopSolutions</a:t>
                       </a:r>
                       <a:r>
-                        <a:rPr lang="es" sz="1800">
+                        <a:rPr lang="es" sz="1800" dirty="0">
                           <a:solidFill>
                             <a:srgbClr val="FF00FF"/>
                           </a:solidFill>
@@ -12722,7 +12743,7 @@
                         </a:rPr>
                         <a:t>: ~$</a:t>
                       </a:r>
-                      <a:endParaRPr sz="1800">
+                      <a:endParaRPr sz="1800" dirty="0">
                         <a:solidFill>
                           <a:srgbClr val="999999"/>
                         </a:solidFill>
@@ -13777,7 +13798,7 @@
                         <a:buNone/>
                       </a:pPr>
                       <a:r>
-                        <a:rPr lang="es" sz="1800">
+                        <a:rPr lang="es" sz="1800" dirty="0">
                           <a:solidFill>
                             <a:srgbClr val="999999"/>
                           </a:solidFill>
@@ -13791,7 +13812,7 @@
                         </a:rPr>
                         <a:t>/* Paso 2*/</a:t>
                       </a:r>
-                      <a:endParaRPr sz="1800">
+                      <a:endParaRPr sz="1800" dirty="0">
                         <a:solidFill>
                           <a:srgbClr val="00FF00"/>
                         </a:solidFill>
@@ -13815,7 +13836,7 @@
                         <a:buNone/>
                       </a:pPr>
                       <a:r>
-                        <a:rPr lang="es" sz="1800">
+                        <a:rPr lang="es" sz="1800" dirty="0">
                           <a:solidFill>
                             <a:srgbClr val="00FF00"/>
                           </a:solidFill>
@@ -13830,7 +13851,7 @@
                         <a:t>john@MyShopSolutions</a:t>
                       </a:r>
                       <a:r>
-                        <a:rPr lang="es" sz="1800">
+                        <a:rPr lang="es" sz="1800" dirty="0">
                           <a:solidFill>
                             <a:srgbClr val="FF00FF"/>
                           </a:solidFill>
@@ -13845,7 +13866,7 @@
                         <a:t>: ~$</a:t>
                       </a:r>
                       <a:r>
-                        <a:rPr lang="es" sz="1800">
+                        <a:rPr lang="es" sz="1800" dirty="0">
                           <a:solidFill>
                             <a:srgbClr val="F3F3F3"/>
                           </a:solidFill>
@@ -13859,7 +13880,7 @@
                         </a:rPr>
                         <a:t> git config --global user.name "John Doe"</a:t>
                       </a:r>
-                      <a:endParaRPr sz="1800">
+                      <a:endParaRPr sz="1800" dirty="0">
                         <a:solidFill>
                           <a:srgbClr val="F3F3F3"/>
                         </a:solidFill>
@@ -13888,7 +13909,7 @@
                         <a:buNone/>
                       </a:pPr>
                       <a:r>
-                        <a:rPr lang="es" sz="1800">
+                        <a:rPr lang="es" sz="1800" dirty="0">
                           <a:solidFill>
                             <a:srgbClr val="999999"/>
                           </a:solidFill>
@@ -13902,7 +13923,7 @@
                         </a:rPr>
                         <a:t>/* Paso 3*/</a:t>
                       </a:r>
-                      <a:endParaRPr sz="1800">
+                      <a:endParaRPr sz="1800" dirty="0">
                         <a:solidFill>
                           <a:srgbClr val="F3F3F3"/>
                         </a:solidFill>
@@ -13931,7 +13952,7 @@
                         <a:buNone/>
                       </a:pPr>
                       <a:r>
-                        <a:rPr lang="es" sz="1800">
+                        <a:rPr lang="es" sz="1800" dirty="0">
                           <a:solidFill>
                             <a:srgbClr val="00FF00"/>
                           </a:solidFill>
@@ -13946,7 +13967,7 @@
                         <a:t>john@MyShopSolutions</a:t>
                       </a:r>
                       <a:r>
-                        <a:rPr lang="es" sz="1800">
+                        <a:rPr lang="es" sz="1800" dirty="0">
                           <a:solidFill>
                             <a:srgbClr val="FF00FF"/>
                           </a:solidFill>
@@ -13961,7 +13982,7 @@
                         <a:t>:</a:t>
                       </a:r>
                       <a:r>
-                        <a:rPr lang="es" sz="1800" b="1">
+                        <a:rPr lang="es" sz="1800" b="1" dirty="0">
                           <a:solidFill>
                             <a:srgbClr val="FF00FF"/>
                           </a:solidFill>
@@ -13976,7 +13997,7 @@
                         <a:t>~$</a:t>
                       </a:r>
                       <a:r>
-                        <a:rPr lang="es" sz="1800">
+                        <a:rPr lang="es" sz="1800" dirty="0">
                           <a:solidFill>
                             <a:srgbClr val="F3F3F3"/>
                           </a:solidFill>
@@ -13990,7 +14011,7 @@
                         </a:rPr>
                         <a:t> git config --global user.email johndoe@example.com</a:t>
                       </a:r>
-                      <a:endParaRPr sz="1800">
+                      <a:endParaRPr sz="1800" dirty="0">
                         <a:solidFill>
                           <a:srgbClr val="00FFFF"/>
                         </a:solidFill>
@@ -14249,7 +14270,7 @@
                         <a:buNone/>
                       </a:pPr>
                       <a:r>
-                        <a:rPr lang="es" sz="1600">
+                        <a:rPr lang="es" sz="1600" dirty="0">
                           <a:solidFill>
                             <a:srgbClr val="00FF00"/>
                           </a:solidFill>
@@ -14264,7 +14285,7 @@
                         <a:t>john@MyShopSolutions</a:t>
                       </a:r>
                       <a:r>
-                        <a:rPr lang="es" sz="1600">
+                        <a:rPr lang="es" sz="1600" dirty="0">
                           <a:solidFill>
                             <a:srgbClr val="FF00FF"/>
                           </a:solidFill>
@@ -14279,7 +14300,7 @@
                         <a:t>: ~$ </a:t>
                       </a:r>
                       <a:r>
-                        <a:rPr lang="es" sz="1600">
+                        <a:rPr lang="es" sz="1600" dirty="0">
                           <a:solidFill>
                             <a:srgbClr val="F3F3F3"/>
                           </a:solidFill>
@@ -14293,7 +14314,7 @@
                         </a:rPr>
                         <a:t>git config --list</a:t>
                       </a:r>
-                      <a:endParaRPr sz="1600">
+                      <a:endParaRPr sz="1600" dirty="0">
                         <a:solidFill>
                           <a:srgbClr val="F3F3F3"/>
                         </a:solidFill>
@@ -14317,7 +14338,7 @@
                         <a:buNone/>
                       </a:pPr>
                       <a:r>
-                        <a:rPr lang="es" sz="1600">
+                        <a:rPr lang="es" sz="1600" dirty="0">
                           <a:solidFill>
                             <a:srgbClr val="666666"/>
                           </a:solidFill>
@@ -14331,7 +14352,7 @@
                         </a:rPr>
                         <a:t>/* Se puede ver el usuario, el email y otros parámetros que dependerán de cada sistema operativo */</a:t>
                       </a:r>
-                      <a:endParaRPr sz="1600">
+                      <a:endParaRPr sz="1600" dirty="0">
                         <a:solidFill>
                           <a:srgbClr val="666666"/>
                         </a:solidFill>
@@ -14355,7 +14376,7 @@
                         <a:buNone/>
                       </a:pPr>
                       <a:r>
-                        <a:rPr lang="es" sz="1600">
+                        <a:rPr lang="es" sz="1600" dirty="0">
                           <a:solidFill>
                             <a:srgbClr val="F3F3F3"/>
                           </a:solidFill>
@@ -14369,7 +14390,7 @@
                         </a:rPr>
                         <a:t>user.name=John Doe</a:t>
                       </a:r>
-                      <a:endParaRPr sz="1600">
+                      <a:endParaRPr sz="1600" dirty="0">
                         <a:solidFill>
                           <a:srgbClr val="F3F3F3"/>
                         </a:solidFill>
@@ -14393,7 +14414,7 @@
                         <a:buNone/>
                       </a:pPr>
                       <a:r>
-                        <a:rPr lang="es" sz="1600">
+                        <a:rPr lang="es" sz="1600" dirty="0">
                           <a:solidFill>
                             <a:srgbClr val="F3F3F3"/>
                           </a:solidFill>
@@ -14407,7 +14428,7 @@
                         </a:rPr>
                         <a:t>user.email=johndoe@example.com</a:t>
                       </a:r>
-                      <a:endParaRPr sz="1600">
+                      <a:endParaRPr sz="1600" dirty="0">
                         <a:solidFill>
                           <a:srgbClr val="F3F3F3"/>
                         </a:solidFill>
@@ -14431,7 +14452,7 @@
                         <a:buNone/>
                       </a:pPr>
                       <a:r>
-                        <a:rPr lang="es" sz="1600">
+                        <a:rPr lang="es" sz="1600" dirty="0">
                           <a:solidFill>
                             <a:srgbClr val="F3F3F3"/>
                           </a:solidFill>
@@ -14445,7 +14466,7 @@
                         </a:rPr>
                         <a:t>color.status=auto</a:t>
                       </a:r>
-                      <a:endParaRPr sz="1600">
+                      <a:endParaRPr sz="1600" dirty="0">
                         <a:solidFill>
                           <a:srgbClr val="F3F3F3"/>
                         </a:solidFill>
@@ -14469,7 +14490,7 @@
                         <a:buNone/>
                       </a:pPr>
                       <a:r>
-                        <a:rPr lang="es" sz="1600">
+                        <a:rPr lang="es" sz="1600" dirty="0">
                           <a:solidFill>
                             <a:srgbClr val="F3F3F3"/>
                           </a:solidFill>
@@ -14483,7 +14504,7 @@
                         </a:rPr>
                         <a:t>color.branch=auto</a:t>
                       </a:r>
-                      <a:endParaRPr sz="1600">
+                      <a:endParaRPr sz="1600" dirty="0">
                         <a:solidFill>
                           <a:srgbClr val="F3F3F3"/>
                         </a:solidFill>
@@ -14507,7 +14528,7 @@
                         <a:buNone/>
                       </a:pPr>
                       <a:r>
-                        <a:rPr lang="es" sz="1600">
+                        <a:rPr lang="es" sz="1600" dirty="0">
                           <a:solidFill>
                             <a:srgbClr val="F3F3F3"/>
                           </a:solidFill>
@@ -14521,7 +14542,7 @@
                         </a:rPr>
                         <a:t>color.interactive=auto</a:t>
                       </a:r>
-                      <a:endParaRPr sz="1600">
+                      <a:endParaRPr sz="1600" dirty="0">
                         <a:solidFill>
                           <a:srgbClr val="F3F3F3"/>
                         </a:solidFill>
@@ -14545,7 +14566,7 @@
                         <a:buNone/>
                       </a:pPr>
                       <a:r>
-                        <a:rPr lang="es" sz="1600">
+                        <a:rPr lang="es" sz="1600" dirty="0">
                           <a:solidFill>
                             <a:srgbClr val="F3F3F3"/>
                           </a:solidFill>
@@ -14559,7 +14580,7 @@
                         </a:rPr>
                         <a:t>color.diff=auto</a:t>
                       </a:r>
-                      <a:endParaRPr sz="1600">
+                      <a:endParaRPr sz="1600" dirty="0">
                         <a:solidFill>
                           <a:srgbClr val="F3F3F3"/>
                         </a:solidFill>
@@ -14821,7 +14842,7 @@
                         <a:buNone/>
                       </a:pPr>
                       <a:r>
-                        <a:rPr lang="es" sz="1800">
+                        <a:rPr lang="es" sz="1800" dirty="0">
                           <a:solidFill>
                             <a:srgbClr val="00FF00"/>
                           </a:solidFill>
@@ -14836,7 +14857,7 @@
                         <a:t>john@MyShopSolutions: ~</a:t>
                       </a:r>
                       <a:r>
-                        <a:rPr lang="es" sz="1800">
+                        <a:rPr lang="es" sz="1800" dirty="0">
                           <a:solidFill>
                             <a:srgbClr val="F3F3F3"/>
                           </a:solidFill>
@@ -14850,7 +14871,7 @@
                         </a:rPr>
                         <a:t>$ git config user.name</a:t>
                       </a:r>
-                      <a:endParaRPr sz="1800">
+                      <a:endParaRPr sz="1800" dirty="0">
                         <a:solidFill>
                           <a:srgbClr val="F3F3F3"/>
                         </a:solidFill>
@@ -14874,7 +14895,7 @@
                         <a:buNone/>
                       </a:pPr>
                       <a:r>
-                        <a:rPr lang="es" sz="1800">
+                        <a:rPr lang="es" sz="1800" dirty="0">
                           <a:solidFill>
                             <a:srgbClr val="F3F3F3"/>
                           </a:solidFill>
@@ -14888,7 +14909,7 @@
                         </a:rPr>
                         <a:t>John Doe</a:t>
                       </a:r>
-                      <a:endParaRPr sz="1800">
+                      <a:endParaRPr sz="1800" dirty="0">
                         <a:solidFill>
                           <a:srgbClr val="F3F3F3"/>
                         </a:solidFill>
@@ -15799,6 +15820,13 @@
   <p:clrMapOvr>
     <a:masterClrMapping/>
   </p:clrMapOvr>
+  <p:timing>
+    <p:tnLst>
+      <p:par>
+        <p:cTn id="1" dur="indefinite" restart="never" nodeType="tmRoot"/>
+      </p:par>
+    </p:tnLst>
+  </p:timing>
 </p:sld>
 </file>
 
@@ -16437,7 +16465,7 @@
               <a:buNone/>
             </a:pPr>
             <a:r>
-              <a:rPr lang="es" sz="2300">
+              <a:rPr lang="es" sz="2300" dirty="0">
                 <a:solidFill>
                   <a:schemeClr val="dk1"/>
                 </a:solidFill>
@@ -16449,7 +16477,7 @@
               <a:t>Un repositorio es un</a:t>
             </a:r>
             <a:r>
-              <a:rPr lang="es" sz="2300">
+              <a:rPr lang="es" sz="2300" dirty="0">
                 <a:solidFill>
                   <a:srgbClr val="FFFFFF"/>
                 </a:solidFill>
@@ -16461,7 +16489,7 @@
               <a:t> </a:t>
             </a:r>
             <a:r>
-              <a:rPr lang="es" sz="2300">
+              <a:rPr lang="es" sz="2300" dirty="0">
                 <a:solidFill>
                   <a:srgbClr val="EAFF6A"/>
                 </a:solidFill>
@@ -16473,7 +16501,7 @@
               <a:t>espacio centralizado</a:t>
             </a:r>
             <a:r>
-              <a:rPr lang="es" sz="2300">
+              <a:rPr lang="es" sz="2300" dirty="0">
                 <a:solidFill>
                   <a:srgbClr val="FFFFFF"/>
                 </a:solidFill>
@@ -16485,7 +16513,7 @@
               <a:t> </a:t>
             </a:r>
             <a:r>
-              <a:rPr lang="es" sz="2300">
+              <a:rPr lang="es" sz="2300" dirty="0">
                 <a:solidFill>
                   <a:schemeClr val="dk1"/>
                 </a:solidFill>
@@ -16496,7 +16524,7 @@
               </a:rPr>
               <a:t>donde se almacena, organiza, mantiene y difunde información. </a:t>
             </a:r>
-            <a:endParaRPr sz="2300">
+            <a:endParaRPr sz="2300" dirty="0">
               <a:solidFill>
                 <a:schemeClr val="dk1"/>
               </a:solidFill>
@@ -16516,7 +16544,7 @@
               </a:spcAft>
               <a:buNone/>
             </a:pPr>
-            <a:endParaRPr sz="2300">
+            <a:endParaRPr sz="2300" dirty="0">
               <a:solidFill>
                 <a:schemeClr val="dk1"/>
               </a:solidFill>
@@ -16537,7 +16565,7 @@
               <a:buNone/>
             </a:pPr>
             <a:r>
-              <a:rPr lang="es" sz="2300">
+              <a:rPr lang="es" sz="2300" dirty="0">
                 <a:solidFill>
                   <a:schemeClr val="dk1"/>
                 </a:solidFill>
@@ -16549,7 +16577,7 @@
               <a:t>Será</a:t>
             </a:r>
             <a:r>
-              <a:rPr lang="es" sz="2300">
+              <a:rPr lang="es" sz="2300" dirty="0">
                 <a:solidFill>
                   <a:srgbClr val="FFFFFF"/>
                 </a:solidFill>
@@ -16561,7 +16589,7 @@
               <a:t> </a:t>
             </a:r>
             <a:r>
-              <a:rPr lang="es" sz="2300">
+              <a:rPr lang="es" sz="2300" dirty="0">
                 <a:solidFill>
                   <a:srgbClr val="EAFF6A"/>
                 </a:solidFill>
@@ -16573,7 +16601,7 @@
               <a:t>“la carpeta”</a:t>
             </a:r>
             <a:r>
-              <a:rPr lang="es" sz="2300">
+              <a:rPr lang="es" sz="2300" dirty="0">
                 <a:solidFill>
                   <a:srgbClr val="FFFFFF"/>
                 </a:solidFill>
@@ -16585,7 +16613,7 @@
               <a:t> </a:t>
             </a:r>
             <a:r>
-              <a:rPr lang="es" sz="2300">
+              <a:rPr lang="es" sz="2300" dirty="0">
                 <a:solidFill>
                   <a:schemeClr val="dk1"/>
                 </a:solidFill>
@@ -16596,7 +16624,7 @@
               </a:rPr>
               <a:t>donde guardaremos nuestro proyecto para más adelante compartirlo con el equipo a través de un repositorio en la nube (en internet, por ejemplo en Github).</a:t>
             </a:r>
-            <a:endParaRPr sz="2300">
+            <a:endParaRPr sz="2300" dirty="0">
               <a:solidFill>
                 <a:schemeClr val="dk1"/>
               </a:solidFill>
@@ -17074,7 +17102,7 @@
                         <a:buNone/>
                       </a:pPr>
                       <a:r>
-                        <a:rPr lang="es">
+                        <a:rPr lang="es" dirty="0">
                           <a:solidFill>
                             <a:srgbClr val="434343"/>
                           </a:solidFill>
@@ -17088,7 +17116,7 @@
                         </a:rPr>
                         <a:t>/* Paso 1: Me ubico en la carpeta donde quiero crear mi proyecto */</a:t>
                       </a:r>
-                      <a:endParaRPr>
+                      <a:endParaRPr dirty="0">
                         <a:solidFill>
                           <a:srgbClr val="434343"/>
                         </a:solidFill>
@@ -17112,7 +17140,7 @@
                         <a:buNone/>
                       </a:pPr>
                       <a:r>
-                        <a:rPr lang="es">
+                        <a:rPr lang="es" dirty="0">
                           <a:solidFill>
                             <a:srgbClr val="00FF00"/>
                           </a:solidFill>
@@ -17127,7 +17155,7 @@
                         <a:t>john@MyShopSolutions</a:t>
                       </a:r>
                       <a:r>
-                        <a:rPr lang="es">
+                        <a:rPr lang="es" dirty="0">
                           <a:solidFill>
                             <a:srgbClr val="FF00FF"/>
                           </a:solidFill>
@@ -17142,7 +17170,7 @@
                         <a:t> :~</a:t>
                       </a:r>
                       <a:r>
-                        <a:rPr lang="es">
+                        <a:rPr lang="es" dirty="0">
                           <a:solidFill>
                             <a:srgbClr val="F3F3F3"/>
                           </a:solidFill>
@@ -17156,7 +17184,7 @@
                         </a:rPr>
                         <a:t>$ cd Documents/Proyectos_Coder/</a:t>
                       </a:r>
-                      <a:endParaRPr>
+                      <a:endParaRPr dirty="0">
                         <a:solidFill>
                           <a:srgbClr val="F3F3F3"/>
                         </a:solidFill>
@@ -17185,7 +17213,7 @@
                         <a:buNone/>
                       </a:pPr>
                       <a:r>
-                        <a:rPr lang="es">
+                        <a:rPr lang="es" dirty="0">
                           <a:solidFill>
                             <a:srgbClr val="434343"/>
                           </a:solidFill>
@@ -17199,7 +17227,7 @@
                         </a:rPr>
                         <a:t>/* Paso 2: Ya dentro de la carpeta inicio el proyecto con el nombre que le asigne a mi repositorio*/</a:t>
                       </a:r>
-                      <a:endParaRPr>
+                      <a:endParaRPr dirty="0">
                         <a:solidFill>
                           <a:srgbClr val="F3F3F3"/>
                         </a:solidFill>
@@ -17223,7 +17251,7 @@
                         <a:buNone/>
                       </a:pPr>
                       <a:r>
-                        <a:rPr lang="es">
+                        <a:rPr lang="es" dirty="0">
                           <a:solidFill>
                             <a:srgbClr val="00FF00"/>
                           </a:solidFill>
@@ -17238,7 +17266,7 @@
                         <a:t>john@MyShopSolutions</a:t>
                       </a:r>
                       <a:r>
-                        <a:rPr lang="es">
+                        <a:rPr lang="es" dirty="0">
                           <a:solidFill>
                             <a:srgbClr val="FF00FF"/>
                           </a:solidFill>
@@ -17253,7 +17281,7 @@
                         <a:t> :~</a:t>
                       </a:r>
                       <a:r>
-                        <a:rPr lang="es">
+                        <a:rPr lang="es" dirty="0">
                           <a:solidFill>
                             <a:srgbClr val="FFFF00"/>
                           </a:solidFill>
@@ -17268,7 +17296,7 @@
                         <a:t>/Documents/Proyectos_Coder/</a:t>
                       </a:r>
                       <a:r>
-                        <a:rPr lang="es">
+                        <a:rPr lang="es" dirty="0">
                           <a:solidFill>
                             <a:srgbClr val="F3F3F3"/>
                           </a:solidFill>
@@ -17282,7 +17310,7 @@
                         </a:rPr>
                         <a:t>$ git init mi_repositorio</a:t>
                       </a:r>
-                      <a:endParaRPr>
+                      <a:endParaRPr dirty="0">
                         <a:solidFill>
                           <a:srgbClr val="F3F3F3"/>
                         </a:solidFill>
@@ -17306,7 +17334,7 @@
                         <a:buNone/>
                       </a:pPr>
                       <a:r>
-                        <a:rPr lang="es">
+                        <a:rPr lang="es" dirty="0">
                           <a:solidFill>
                             <a:srgbClr val="434343"/>
                           </a:solidFill>
@@ -17320,7 +17348,7 @@
                         </a:rPr>
                         <a:t>/* Arrojará el siguiente mensaje */</a:t>
                       </a:r>
-                      <a:endParaRPr>
+                      <a:endParaRPr dirty="0">
                         <a:solidFill>
                           <a:srgbClr val="434343"/>
                         </a:solidFill>
@@ -17344,7 +17372,7 @@
                         <a:buNone/>
                       </a:pPr>
                       <a:r>
-                        <a:rPr lang="es">
+                        <a:rPr lang="es" dirty="0">
                           <a:solidFill>
                             <a:srgbClr val="F3F3F3"/>
                           </a:solidFill>
@@ -17358,7 +17386,7 @@
                         </a:rPr>
                         <a:t>Initialized empty Git repository in /home/usuario/Documents/Proyectos_Coder/mi_repositorio/.git/</a:t>
                       </a:r>
-                      <a:endParaRPr>
+                      <a:endParaRPr dirty="0">
                         <a:solidFill>
                           <a:srgbClr val="F3F3F3"/>
                         </a:solidFill>
@@ -17387,7 +17415,7 @@
                         <a:buNone/>
                       </a:pPr>
                       <a:r>
-                        <a:rPr lang="es">
+                        <a:rPr lang="es" dirty="0">
                           <a:solidFill>
                             <a:srgbClr val="434343"/>
                           </a:solidFill>
@@ -17401,7 +17429,7 @@
                         </a:rPr>
                         <a:t>/* Paso 3: Comprobamos que el repositorio se creó */</a:t>
                       </a:r>
-                      <a:endParaRPr>
+                      <a:endParaRPr dirty="0">
                         <a:solidFill>
                           <a:srgbClr val="434343"/>
                         </a:solidFill>
@@ -17430,7 +17458,7 @@
                         <a:buNone/>
                       </a:pPr>
                       <a:r>
-                        <a:rPr lang="es">
+                        <a:rPr lang="es" dirty="0">
                           <a:solidFill>
                             <a:srgbClr val="00FF00"/>
                           </a:solidFill>
@@ -17445,7 +17473,7 @@
                         <a:t>john@MyShopSolutions</a:t>
                       </a:r>
                       <a:r>
-                        <a:rPr lang="es">
+                        <a:rPr lang="es" dirty="0">
                           <a:solidFill>
                             <a:srgbClr val="FF00FF"/>
                           </a:solidFill>
@@ -17460,7 +17488,7 @@
                         <a:t> :~</a:t>
                       </a:r>
                       <a:r>
-                        <a:rPr lang="es">
+                        <a:rPr lang="es" dirty="0">
                           <a:solidFill>
                             <a:srgbClr val="FFFF00"/>
                           </a:solidFill>
@@ -17475,7 +17503,7 @@
                         <a:t>/Documents/Proyectos_Coder/</a:t>
                       </a:r>
                       <a:r>
-                        <a:rPr lang="es">
+                        <a:rPr lang="es" dirty="0">
                           <a:solidFill>
                             <a:srgbClr val="F3F3F3"/>
                           </a:solidFill>
@@ -17489,7 +17517,7 @@
                         </a:rPr>
                         <a:t>$ dir</a:t>
                       </a:r>
-                      <a:endParaRPr>
+                      <a:endParaRPr dirty="0">
                         <a:solidFill>
                           <a:srgbClr val="F3F3F3"/>
                         </a:solidFill>
@@ -17513,7 +17541,7 @@
                         <a:buNone/>
                       </a:pPr>
                       <a:r>
-                        <a:rPr lang="es">
+                        <a:rPr lang="es" dirty="0">
                           <a:solidFill>
                             <a:srgbClr val="F3F3F3"/>
                           </a:solidFill>
@@ -17527,7 +17555,7 @@
                         </a:rPr>
                         <a:t>mi_repositorio</a:t>
                       </a:r>
-                      <a:endParaRPr>
+                      <a:endParaRPr dirty="0">
                         <a:solidFill>
                           <a:srgbClr val="F3F3F3"/>
                         </a:solidFill>
@@ -17556,7 +17584,7 @@
                         <a:buNone/>
                       </a:pPr>
                       <a:r>
-                        <a:rPr lang="es">
+                        <a:rPr lang="es" dirty="0">
                           <a:solidFill>
                             <a:srgbClr val="434343"/>
                           </a:solidFill>
@@ -17570,7 +17598,7 @@
                         </a:rPr>
                         <a:t>/* Paso 4: Me ubico en mi repositorio */</a:t>
                       </a:r>
-                      <a:endParaRPr>
+                      <a:endParaRPr dirty="0">
                         <a:solidFill>
                           <a:srgbClr val="434343"/>
                         </a:solidFill>
@@ -17594,7 +17622,7 @@
                         <a:buNone/>
                       </a:pPr>
                       <a:r>
-                        <a:rPr lang="es">
+                        <a:rPr lang="es" dirty="0">
                           <a:solidFill>
                             <a:srgbClr val="00FF00"/>
                           </a:solidFill>
@@ -17609,7 +17637,7 @@
                         <a:t>john@MyShopSolutions</a:t>
                       </a:r>
                       <a:r>
-                        <a:rPr lang="es">
+                        <a:rPr lang="es" dirty="0">
                           <a:solidFill>
                             <a:srgbClr val="FF00FF"/>
                           </a:solidFill>
@@ -17624,7 +17652,7 @@
                         <a:t> :~</a:t>
                       </a:r>
                       <a:r>
-                        <a:rPr lang="es">
+                        <a:rPr lang="es" dirty="0">
                           <a:solidFill>
                             <a:srgbClr val="FFFF00"/>
                           </a:solidFill>
@@ -17639,7 +17667,7 @@
                         <a:t>/Documents/Proyectos_Coder/</a:t>
                       </a:r>
                       <a:r>
-                        <a:rPr lang="es">
+                        <a:rPr lang="es" dirty="0">
                           <a:solidFill>
                             <a:srgbClr val="F3F3F3"/>
                           </a:solidFill>
@@ -17653,7 +17681,7 @@
                         </a:rPr>
                         <a:t>$ cd mi_repositorio</a:t>
                       </a:r>
-                      <a:endParaRPr>
+                      <a:endParaRPr dirty="0">
                         <a:solidFill>
                           <a:srgbClr val="F3F3F3"/>
                         </a:solidFill>
@@ -17682,7 +17710,7 @@
                         <a:buNone/>
                       </a:pPr>
                       <a:r>
-                        <a:rPr lang="es">
+                        <a:rPr lang="es" dirty="0">
                           <a:solidFill>
                             <a:srgbClr val="00FF00"/>
                           </a:solidFill>
@@ -17697,7 +17725,7 @@
                         <a:t>john@MyShopSolutions</a:t>
                       </a:r>
                       <a:r>
-                        <a:rPr lang="es">
+                        <a:rPr lang="es" dirty="0">
                           <a:solidFill>
                             <a:srgbClr val="FF00FF"/>
                           </a:solidFill>
@@ -17712,7 +17740,7 @@
                         <a:t> :~</a:t>
                       </a:r>
                       <a:r>
-                        <a:rPr lang="es">
+                        <a:rPr lang="es" dirty="0">
                           <a:solidFill>
                             <a:srgbClr val="FFFF00"/>
                           </a:solidFill>
@@ -17727,7 +17755,7 @@
                         <a:t>/Documents/Proyectos_Coder/mi_repositorio</a:t>
                       </a:r>
                       <a:r>
-                        <a:rPr lang="es">
+                        <a:rPr lang="es" dirty="0">
                           <a:solidFill>
                             <a:srgbClr val="F3F3F3"/>
                           </a:solidFill>
@@ -17741,7 +17769,7 @@
                         </a:rPr>
                         <a:t>$ </a:t>
                       </a:r>
-                      <a:endParaRPr>
+                      <a:endParaRPr dirty="0">
                         <a:solidFill>
                           <a:srgbClr val="F3F3F3"/>
                         </a:solidFill>
@@ -19180,6 +19208,13 @@
   <p:clrMapOvr>
     <a:masterClrMapping/>
   </p:clrMapOvr>
+  <p:timing>
+    <p:tnLst>
+      <p:par>
+        <p:cTn id="1" dur="indefinite" restart="never" nodeType="tmRoot"/>
+      </p:par>
+    </p:tnLst>
+  </p:timing>
 </p:sld>
 </file>
 
@@ -21905,7 +21940,7 @@
                 <a:hlinkClick r:id="rId3">
                   <a:extLst>
                     <a:ext uri="{A12FA001-AC4F-418D-AE19-62706E023703}">
-                      <ahyp:hlinkClr xmlns:ahyp="http://schemas.microsoft.com/office/drawing/2018/hyperlinkcolor" xmlns:p15="http://schemas.microsoft.com/office/powerpoint/2012/main" xmlns:p14="http://schemas.microsoft.com/office/powerpoint/2010/main" xmlns:com="http://schemas.openxmlformats.org/drawingml/2006/compatibility" xmlns:pvml="urn:schemas-microsoft-com:office:powerpoint" xmlns:v="urn:schemas-microsoft-com:vml" xmlns:o="urn:schemas-microsoft-com:office:office" xmlns:dgm="http://schemas.openxmlformats.org/drawingml/2006/diagram" xmlns:c="http://schemas.openxmlformats.org/drawingml/2006/chart" xmlns:mv="urn:schemas-microsoft-com:mac:vml" xmlns:mc="http://schemas.openxmlformats.org/markup-compatibility/2006" xmlns="" val="tx"/>
+                      <ahyp:hlinkClr xmlns="" xmlns:mc="http://schemas.openxmlformats.org/markup-compatibility/2006" xmlns:mv="urn:schemas-microsoft-com:mac:vml" xmlns:c="http://schemas.openxmlformats.org/drawingml/2006/chart" xmlns:dgm="http://schemas.openxmlformats.org/drawingml/2006/diagram" xmlns:o="urn:schemas-microsoft-com:office:office" xmlns:v="urn:schemas-microsoft-com:vml" xmlns:pvml="urn:schemas-microsoft-com:office:powerpoint" xmlns:com="http://schemas.openxmlformats.org/drawingml/2006/compatibility" xmlns:p14="http://schemas.microsoft.com/office/powerpoint/2010/main" xmlns:p15="http://schemas.microsoft.com/office/powerpoint/2012/main" xmlns:ahyp="http://schemas.microsoft.com/office/drawing/2018/hyperlinkcolor" val="tx"/>
                     </a:ext>
                   </a:extLst>
                 </a:hlinkClick>
@@ -22331,6 +22366,13 @@
   <p:clrMapOvr>
     <a:masterClrMapping/>
   </p:clrMapOvr>
+  <p:timing>
+    <p:tnLst>
+      <p:par>
+        <p:cTn id="1" dur="indefinite" restart="never" nodeType="tmRoot"/>
+      </p:par>
+    </p:tnLst>
+  </p:timing>
 </p:sld>
 </file>
 
@@ -28366,6 +28408,13 @@
   <p:clrMapOvr>
     <a:masterClrMapping/>
   </p:clrMapOvr>
+  <p:timing>
+    <p:tnLst>
+      <p:par>
+        <p:cTn id="1" dur="indefinite" restart="never" nodeType="tmRoot"/>
+      </p:par>
+    </p:tnLst>
+  </p:timing>
 </p:sld>
 </file>
 
@@ -29140,6 +29189,13 @@
   <p:clrMapOvr>
     <a:masterClrMapping/>
   </p:clrMapOvr>
+  <p:timing>
+    <p:tnLst>
+      <p:par>
+        <p:cTn id="1" dur="indefinite" restart="never" nodeType="tmRoot"/>
+      </p:par>
+    </p:tnLst>
+  </p:timing>
 </p:sld>
 </file>
 
@@ -29226,6 +29282,13 @@
   <p:clrMapOvr>
     <a:masterClrMapping/>
   </p:clrMapOvr>
+  <p:timing>
+    <p:tnLst>
+      <p:par>
+        <p:cTn id="1" dur="indefinite" restart="never" nodeType="tmRoot"/>
+      </p:par>
+    </p:tnLst>
+  </p:timing>
 </p:sld>
 </file>
 
@@ -29312,6 +29375,13 @@
   <p:clrMapOvr>
     <a:masterClrMapping/>
   </p:clrMapOvr>
+  <p:timing>
+    <p:tnLst>
+      <p:par>
+        <p:cTn id="1" dur="indefinite" restart="never" nodeType="tmRoot"/>
+      </p:par>
+    </p:tnLst>
+  </p:timing>
 </p:sld>
 </file>
 
@@ -29513,7 +29583,7 @@
                 <a:hlinkClick r:id="rId3">
                   <a:extLst>
                     <a:ext uri="{A12FA001-AC4F-418D-AE19-62706E023703}">
-                      <ahyp:hlinkClr xmlns:ahyp="http://schemas.microsoft.com/office/drawing/2018/hyperlinkcolor" xmlns:p15="http://schemas.microsoft.com/office/powerpoint/2012/main" xmlns:p14="http://schemas.microsoft.com/office/powerpoint/2010/main" xmlns:com="http://schemas.openxmlformats.org/drawingml/2006/compatibility" xmlns:pvml="urn:schemas-microsoft-com:office:powerpoint" xmlns:v="urn:schemas-microsoft-com:vml" xmlns:o="urn:schemas-microsoft-com:office:office" xmlns:dgm="http://schemas.openxmlformats.org/drawingml/2006/diagram" xmlns:c="http://schemas.openxmlformats.org/drawingml/2006/chart" xmlns:mv="urn:schemas-microsoft-com:mac:vml" xmlns:mc="http://schemas.openxmlformats.org/markup-compatibility/2006" xmlns="" val="tx"/>
+                      <ahyp:hlinkClr xmlns="" xmlns:mc="http://schemas.openxmlformats.org/markup-compatibility/2006" xmlns:mv="urn:schemas-microsoft-com:mac:vml" xmlns:c="http://schemas.openxmlformats.org/drawingml/2006/chart" xmlns:dgm="http://schemas.openxmlformats.org/drawingml/2006/diagram" xmlns:o="urn:schemas-microsoft-com:office:office" xmlns:v="urn:schemas-microsoft-com:vml" xmlns:pvml="urn:schemas-microsoft-com:office:powerpoint" xmlns:com="http://schemas.openxmlformats.org/drawingml/2006/compatibility" xmlns:p14="http://schemas.microsoft.com/office/powerpoint/2010/main" xmlns:p15="http://schemas.microsoft.com/office/powerpoint/2012/main" xmlns:ahyp="http://schemas.microsoft.com/office/drawing/2018/hyperlinkcolor" val="tx"/>
                     </a:ext>
                   </a:extLst>
                 </a:hlinkClick>
@@ -29546,6 +29616,13 @@
   <p:clrMapOvr>
     <a:masterClrMapping/>
   </p:clrMapOvr>
+  <p:timing>
+    <p:tnLst>
+      <p:par>
+        <p:cTn id="1" dur="indefinite" restart="never" nodeType="tmRoot"/>
+      </p:par>
+    </p:tnLst>
+  </p:timing>
 </p:sld>
 </file>
 
@@ -29632,6 +29709,13 @@
   <p:clrMapOvr>
     <a:masterClrMapping/>
   </p:clrMapOvr>
+  <p:timing>
+    <p:tnLst>
+      <p:par>
+        <p:cTn id="1" dur="indefinite" restart="never" nodeType="tmRoot"/>
+      </p:par>
+    </p:tnLst>
+  </p:timing>
 </p:sld>
 </file>
 
@@ -29798,6 +29882,13 @@
   <p:clrMapOvr>
     <a:masterClrMapping/>
   </p:clrMapOvr>
+  <p:timing>
+    <p:tnLst>
+      <p:par>
+        <p:cTn id="1" dur="indefinite" restart="never" nodeType="tmRoot"/>
+      </p:par>
+    </p:tnLst>
+  </p:timing>
 </p:sld>
 </file>
 
@@ -30576,6 +30667,13 @@
   <p:clrMapOvr>
     <a:masterClrMapping/>
   </p:clrMapOvr>
+  <p:timing>
+    <p:tnLst>
+      <p:par>
+        <p:cTn id="1" dur="indefinite" restart="never" nodeType="tmRoot"/>
+      </p:par>
+    </p:tnLst>
+  </p:timing>
 </p:sld>
 </file>
 
@@ -31198,7 +31296,7 @@
                 <a:hlinkClick r:id="rId4">
                   <a:extLst>
                     <a:ext uri="{A12FA001-AC4F-418D-AE19-62706E023703}">
-                      <ahyp:hlinkClr xmlns:ahyp="http://schemas.microsoft.com/office/drawing/2018/hyperlinkcolor" xmlns:p15="http://schemas.microsoft.com/office/powerpoint/2012/main" xmlns:p14="http://schemas.microsoft.com/office/powerpoint/2010/main" xmlns:com="http://schemas.openxmlformats.org/drawingml/2006/compatibility" xmlns:pvml="urn:schemas-microsoft-com:office:powerpoint" xmlns:v="urn:schemas-microsoft-com:vml" xmlns:o="urn:schemas-microsoft-com:office:office" xmlns:dgm="http://schemas.openxmlformats.org/drawingml/2006/diagram" xmlns:c="http://schemas.openxmlformats.org/drawingml/2006/chart" xmlns:mv="urn:schemas-microsoft-com:mac:vml" xmlns:mc="http://schemas.openxmlformats.org/markup-compatibility/2006" xmlns="" val="tx"/>
+                      <ahyp:hlinkClr xmlns="" xmlns:mc="http://schemas.openxmlformats.org/markup-compatibility/2006" xmlns:mv="urn:schemas-microsoft-com:mac:vml" xmlns:c="http://schemas.openxmlformats.org/drawingml/2006/chart" xmlns:dgm="http://schemas.openxmlformats.org/drawingml/2006/diagram" xmlns:o="urn:schemas-microsoft-com:office:office" xmlns:v="urn:schemas-microsoft-com:vml" xmlns:pvml="urn:schemas-microsoft-com:office:powerpoint" xmlns:com="http://schemas.openxmlformats.org/drawingml/2006/compatibility" xmlns:p14="http://schemas.microsoft.com/office/powerpoint/2010/main" xmlns:p15="http://schemas.microsoft.com/office/powerpoint/2012/main" xmlns:ahyp="http://schemas.microsoft.com/office/drawing/2018/hyperlinkcolor" val="tx"/>
                     </a:ext>
                   </a:extLst>
                 </a:hlinkClick>
@@ -31222,6 +31320,13 @@
   <p:clrMapOvr>
     <a:masterClrMapping/>
   </p:clrMapOvr>
+  <p:timing>
+    <p:tnLst>
+      <p:par>
+        <p:cTn id="1" dur="indefinite" restart="never" nodeType="tmRoot"/>
+      </p:par>
+    </p:tnLst>
+  </p:timing>
 </p:sld>
 </file>
 
@@ -31336,6 +31441,13 @@
   <p:clrMapOvr>
     <a:masterClrMapping/>
   </p:clrMapOvr>
+  <p:timing>
+    <p:tnLst>
+      <p:par>
+        <p:cTn id="1" dur="indefinite" restart="never" nodeType="tmRoot"/>
+      </p:par>
+    </p:tnLst>
+  </p:timing>
 </p:sld>
 </file>
 
@@ -31443,6 +31555,13 @@
   <p:clrMapOvr>
     <a:masterClrMapping/>
   </p:clrMapOvr>
+  <p:timing>
+    <p:tnLst>
+      <p:par>
+        <p:cTn id="1" dur="indefinite" restart="never" nodeType="tmRoot"/>
+      </p:par>
+    </p:tnLst>
+  </p:timing>
 </p:sld>
 </file>
 
